--- a/pub/img/img.pptx
+++ b/pub/img/img.pptx
@@ -9,6 +9,7 @@
     <p:sldId id="259" r:id="rId3"/>
     <p:sldId id="257" r:id="rId4"/>
     <p:sldId id="258" r:id="rId5"/>
+    <p:sldId id="260" r:id="rId6"/>
   </p:sldIdLst>
   <p:sldSz cx="12192000" cy="4572000"/>
   <p:notesSz cx="6858000" cy="9144000"/>
@@ -107,6 +108,11 @@
       </a:defRPr>
     </a:lvl9pPr>
   </p:defaultTextStyle>
+  <p:extLst>
+    <p:ext uri="{EFAFB233-063F-42B5-8137-9DF3F51BA10A}">
+      <p15:sldGuideLst xmlns:p15="http://schemas.microsoft.com/office/powerpoint/2012/main"/>
+    </p:ext>
+  </p:extLst>
 </p:presentation>
 </file>
 
@@ -241,7 +247,7 @@
           <a:p>
             <a:fld id="{2616BF69-8574-4A26-BADF-801788917E7B}" type="datetimeFigureOut">
               <a:rPr lang="en-US" smtClean="0"/>
-              <a:t>8/7/2021</a:t>
+              <a:t>12/21/2021</a:t>
             </a:fld>
             <a:endParaRPr lang="en-US"/>
           </a:p>
@@ -411,7 +417,7 @@
           <a:p>
             <a:fld id="{2616BF69-8574-4A26-BADF-801788917E7B}" type="datetimeFigureOut">
               <a:rPr lang="en-US" smtClean="0"/>
-              <a:t>8/7/2021</a:t>
+              <a:t>12/21/2021</a:t>
             </a:fld>
             <a:endParaRPr lang="en-US"/>
           </a:p>
@@ -591,7 +597,7 @@
           <a:p>
             <a:fld id="{2616BF69-8574-4A26-BADF-801788917E7B}" type="datetimeFigureOut">
               <a:rPr lang="en-US" smtClean="0"/>
-              <a:t>8/7/2021</a:t>
+              <a:t>12/21/2021</a:t>
             </a:fld>
             <a:endParaRPr lang="en-US"/>
           </a:p>
@@ -761,7 +767,7 @@
           <a:p>
             <a:fld id="{2616BF69-8574-4A26-BADF-801788917E7B}" type="datetimeFigureOut">
               <a:rPr lang="en-US" smtClean="0"/>
-              <a:t>8/7/2021</a:t>
+              <a:t>12/21/2021</a:t>
             </a:fld>
             <a:endParaRPr lang="en-US"/>
           </a:p>
@@ -1007,7 +1013,7 @@
           <a:p>
             <a:fld id="{2616BF69-8574-4A26-BADF-801788917E7B}" type="datetimeFigureOut">
               <a:rPr lang="en-US" smtClean="0"/>
-              <a:t>8/7/2021</a:t>
+              <a:t>12/21/2021</a:t>
             </a:fld>
             <a:endParaRPr lang="en-US"/>
           </a:p>
@@ -1239,7 +1245,7 @@
           <a:p>
             <a:fld id="{2616BF69-8574-4A26-BADF-801788917E7B}" type="datetimeFigureOut">
               <a:rPr lang="en-US" smtClean="0"/>
-              <a:t>8/7/2021</a:t>
+              <a:t>12/21/2021</a:t>
             </a:fld>
             <a:endParaRPr lang="en-US"/>
           </a:p>
@@ -1606,7 +1612,7 @@
           <a:p>
             <a:fld id="{2616BF69-8574-4A26-BADF-801788917E7B}" type="datetimeFigureOut">
               <a:rPr lang="en-US" smtClean="0"/>
-              <a:t>8/7/2021</a:t>
+              <a:t>12/21/2021</a:t>
             </a:fld>
             <a:endParaRPr lang="en-US"/>
           </a:p>
@@ -1724,7 +1730,7 @@
           <a:p>
             <a:fld id="{2616BF69-8574-4A26-BADF-801788917E7B}" type="datetimeFigureOut">
               <a:rPr lang="en-US" smtClean="0"/>
-              <a:t>8/7/2021</a:t>
+              <a:t>12/21/2021</a:t>
             </a:fld>
             <a:endParaRPr lang="en-US"/>
           </a:p>
@@ -1819,7 +1825,7 @@
           <a:p>
             <a:fld id="{2616BF69-8574-4A26-BADF-801788917E7B}" type="datetimeFigureOut">
               <a:rPr lang="en-US" smtClean="0"/>
-              <a:t>8/7/2021</a:t>
+              <a:t>12/21/2021</a:t>
             </a:fld>
             <a:endParaRPr lang="en-US"/>
           </a:p>
@@ -2096,7 +2102,7 @@
           <a:p>
             <a:fld id="{2616BF69-8574-4A26-BADF-801788917E7B}" type="datetimeFigureOut">
               <a:rPr lang="en-US" smtClean="0"/>
-              <a:t>8/7/2021</a:t>
+              <a:t>12/21/2021</a:t>
             </a:fld>
             <a:endParaRPr lang="en-US"/>
           </a:p>
@@ -2353,7 +2359,7 @@
           <a:p>
             <a:fld id="{2616BF69-8574-4A26-BADF-801788917E7B}" type="datetimeFigureOut">
               <a:rPr lang="en-US" smtClean="0"/>
-              <a:t>8/7/2021</a:t>
+              <a:t>12/21/2021</a:t>
             </a:fld>
             <a:endParaRPr lang="en-US"/>
           </a:p>
@@ -2566,7 +2572,7 @@
           <a:p>
             <a:fld id="{2616BF69-8574-4A26-BADF-801788917E7B}" type="datetimeFigureOut">
               <a:rPr lang="en-US" smtClean="0"/>
-              <a:t>8/7/2021</a:t>
+              <a:t>12/21/2021</a:t>
             </a:fld>
             <a:endParaRPr lang="en-US"/>
           </a:p>
@@ -3590,6 +3596,118 @@
 </p:sld>
 </file>
 
+<file path=ppt/slides/slide5.xml><?xml version="1.0" encoding="utf-8"?>
+<p:sld xmlns:a="http://schemas.openxmlformats.org/drawingml/2006/main" xmlns:r="http://schemas.openxmlformats.org/officeDocument/2006/relationships" xmlns:p="http://schemas.openxmlformats.org/presentationml/2006/main">
+  <p:cSld>
+    <p:spTree>
+      <p:nvGrpSpPr>
+        <p:cNvPr id="1" name=""/>
+        <p:cNvGrpSpPr/>
+        <p:nvPr/>
+      </p:nvGrpSpPr>
+      <p:grpSpPr>
+        <a:xfrm>
+          <a:off x="0" y="0"/>
+          <a:ext cx="0" cy="0"/>
+          <a:chOff x="0" y="0"/>
+          <a:chExt cx="0" cy="0"/>
+        </a:xfrm>
+      </p:grpSpPr>
+      <p:pic>
+        <p:nvPicPr>
+          <p:cNvPr id="7" name="Picture 6">
+            <a:extLst>
+              <a:ext uri="{FF2B5EF4-FFF2-40B4-BE49-F238E27FC236}">
+                <a16:creationId xmlns:a16="http://schemas.microsoft.com/office/drawing/2014/main" id="{772DB2DF-8AF9-4262-BF64-C078AEEFF60C}"/>
+              </a:ext>
+            </a:extLst>
+          </p:cNvPr>
+          <p:cNvPicPr>
+            <a:picLocks noChangeAspect="1"/>
+          </p:cNvPicPr>
+          <p:nvPr/>
+        </p:nvPicPr>
+        <p:blipFill>
+          <a:blip r:embed="rId2"/>
+          <a:stretch>
+            <a:fillRect/>
+          </a:stretch>
+        </p:blipFill>
+        <p:spPr>
+          <a:xfrm>
+            <a:off x="2363508" y="0"/>
+            <a:ext cx="7464983" cy="4572000"/>
+          </a:xfrm>
+          <a:prstGeom prst="rect">
+            <a:avLst/>
+          </a:prstGeom>
+        </p:spPr>
+      </p:pic>
+      <p:sp>
+        <p:nvSpPr>
+          <p:cNvPr id="8" name="Rectangle 7">
+            <a:extLst>
+              <a:ext uri="{FF2B5EF4-FFF2-40B4-BE49-F238E27FC236}">
+                <a16:creationId xmlns:a16="http://schemas.microsoft.com/office/drawing/2014/main" id="{027ADF88-2B2E-4B6D-BC4D-0D35F645945B}"/>
+              </a:ext>
+            </a:extLst>
+          </p:cNvPr>
+          <p:cNvSpPr/>
+          <p:nvPr/>
+        </p:nvSpPr>
+        <p:spPr>
+          <a:xfrm>
+            <a:off x="0" y="0"/>
+            <a:ext cx="12192000" cy="4572000"/>
+          </a:xfrm>
+          <a:prstGeom prst="rect">
+            <a:avLst/>
+          </a:prstGeom>
+          <a:solidFill>
+            <a:srgbClr val="A5A5A5">
+              <a:alpha val="14902"/>
+            </a:srgbClr>
+          </a:solidFill>
+          <a:ln w="28575"/>
+        </p:spPr>
+        <p:style>
+          <a:lnRef idx="2">
+            <a:schemeClr val="accent3">
+              <a:shade val="50000"/>
+            </a:schemeClr>
+          </a:lnRef>
+          <a:fillRef idx="1">
+            <a:schemeClr val="accent3"/>
+          </a:fillRef>
+          <a:effectRef idx="0">
+            <a:schemeClr val="accent3"/>
+          </a:effectRef>
+          <a:fontRef idx="minor">
+            <a:schemeClr val="lt1"/>
+          </a:fontRef>
+        </p:style>
+        <p:txBody>
+          <a:bodyPr rtlCol="0" anchor="ctr"/>
+          <a:lstStyle/>
+          <a:p>
+            <a:pPr algn="ctr"/>
+            <a:endParaRPr lang="en-US" dirty="0"/>
+          </a:p>
+        </p:txBody>
+      </p:sp>
+    </p:spTree>
+    <p:extLst>
+      <p:ext uri="{BB962C8B-B14F-4D97-AF65-F5344CB8AC3E}">
+        <p14:creationId xmlns:p14="http://schemas.microsoft.com/office/powerpoint/2010/main" val="525153028"/>
+      </p:ext>
+    </p:extLst>
+  </p:cSld>
+  <p:clrMapOvr>
+    <a:masterClrMapping/>
+  </p:clrMapOvr>
+</p:sld>
+</file>
+
 <file path=ppt/theme/theme1.xml><?xml version="1.0" encoding="utf-8"?>
 <a:theme xmlns:a="http://schemas.openxmlformats.org/drawingml/2006/main" name="Office Theme">
   <a:themeElements>
